--- a/DDDWithVSA/DDDWithVSA.pptx
+++ b/DDDWithVSA/DDDWithVSA.pptx
@@ -10,17 +10,17 @@
   <p:sldIdLst>
     <p:sldId id="274" r:id="rId2"/>
     <p:sldId id="312" r:id="rId3"/>
-    <p:sldId id="406" r:id="rId4"/>
-    <p:sldId id="267" r:id="rId5"/>
-    <p:sldId id="384" r:id="rId6"/>
-    <p:sldId id="314" r:id="rId7"/>
-    <p:sldId id="315" r:id="rId8"/>
-    <p:sldId id="316" r:id="rId9"/>
-    <p:sldId id="277" r:id="rId10"/>
-    <p:sldId id="325" r:id="rId11"/>
-    <p:sldId id="305" r:id="rId12"/>
-    <p:sldId id="407" r:id="rId13"/>
-    <p:sldId id="311" r:id="rId14"/>
+    <p:sldId id="311" r:id="rId4"/>
+    <p:sldId id="406" r:id="rId5"/>
+    <p:sldId id="267" r:id="rId6"/>
+    <p:sldId id="384" r:id="rId7"/>
+    <p:sldId id="314" r:id="rId8"/>
+    <p:sldId id="315" r:id="rId9"/>
+    <p:sldId id="316" r:id="rId10"/>
+    <p:sldId id="277" r:id="rId11"/>
+    <p:sldId id="325" r:id="rId12"/>
+    <p:sldId id="305" r:id="rId13"/>
+    <p:sldId id="407" r:id="rId14"/>
     <p:sldId id="313" r:id="rId15"/>
     <p:sldId id="349" r:id="rId16"/>
     <p:sldId id="350" r:id="rId17"/>
@@ -668,6 +668,127 @@
   <p:cSld>
     <p:spTree>
       <p:nvGrpSpPr>
+        <p:cNvPr id="1" name=""/>
+        <p:cNvGrpSpPr/>
+        <p:nvPr/>
+      </p:nvGrpSpPr>
+      <p:grpSpPr>
+        <a:xfrm>
+          <a:off x="0" y="0"/>
+          <a:ext cx="0" cy="0"/>
+          <a:chOff x="0" y="0"/>
+          <a:chExt cx="0" cy="0"/>
+        </a:xfrm>
+      </p:grpSpPr>
+      <p:sp>
+        <p:nvSpPr>
+          <p:cNvPr id="2" name="Slide Image Placeholder 1"/>
+          <p:cNvSpPr>
+            <a:spLocks noGrp="1" noRot="1" noChangeAspect="1"/>
+          </p:cNvSpPr>
+          <p:nvPr>
+            <p:ph type="sldImg"/>
+          </p:nvPr>
+        </p:nvSpPr>
+        <p:spPr/>
+      </p:sp>
+      <p:sp>
+        <p:nvSpPr>
+          <p:cNvPr id="3" name="Notes Placeholder 2"/>
+          <p:cNvSpPr>
+            <a:spLocks noGrp="1"/>
+          </p:cNvSpPr>
+          <p:nvPr>
+            <p:ph type="body" idx="1"/>
+          </p:nvPr>
+        </p:nvSpPr>
+        <p:spPr/>
+        <p:txBody>
+          <a:bodyPr/>
+          <a:lstStyle/>
+          <a:p>
+            <a:r>
+              <a:rPr lang="en-US" dirty="0"/>
+              <a:t>From PoEAA:</a:t>
+            </a:r>
+            <a:r>
+              <a:rPr lang="en-US" baseline="0" dirty="0"/>
+              <a:t> </a:t>
+            </a:r>
+            <a:r>
+              <a:rPr lang="en-US" dirty="0"/>
+              <a:t>An object model of the domain that incorporates both behavior and data.</a:t>
+            </a:r>
+          </a:p>
+          <a:p>
+            <a:endParaRPr lang="en-US" dirty="0"/>
+          </a:p>
+          <a:p>
+            <a:r>
+              <a:rPr lang="en-US" dirty="0"/>
+              <a:t>Key – data AND behavior</a:t>
+            </a:r>
+          </a:p>
+          <a:p>
+            <a:endParaRPr lang="en-US" dirty="0"/>
+          </a:p>
+          <a:p>
+            <a:r>
+              <a:rPr lang="en-US" dirty="0"/>
+              <a:t>Beyond nouns</a:t>
+            </a:r>
+            <a:r>
+              <a:rPr lang="en-US" baseline="0" dirty="0"/>
+              <a:t> and verbs</a:t>
+            </a:r>
+            <a:endParaRPr lang="en-US" dirty="0"/>
+          </a:p>
+          <a:p>
+            <a:endParaRPr lang="en-US" dirty="0"/>
+          </a:p>
+        </p:txBody>
+      </p:sp>
+      <p:sp>
+        <p:nvSpPr>
+          <p:cNvPr id="4" name="Slide Number Placeholder 3"/>
+          <p:cNvSpPr>
+            <a:spLocks noGrp="1"/>
+          </p:cNvSpPr>
+          <p:nvPr>
+            <p:ph type="sldNum" sz="quarter" idx="5"/>
+          </p:nvPr>
+        </p:nvSpPr>
+        <p:spPr/>
+        <p:txBody>
+          <a:bodyPr/>
+          <a:lstStyle/>
+          <a:p>
+            <a:fld id="{97856D82-A927-4CCE-B899-0E7A70652ABD}" type="slidenum">
+              <a:rPr lang="en-US" smtClean="0"/>
+              <a:t>3</a:t>
+            </a:fld>
+            <a:endParaRPr lang="en-US"/>
+          </a:p>
+        </p:txBody>
+      </p:sp>
+    </p:spTree>
+    <p:extLst>
+      <p:ext uri="{BB962C8B-B14F-4D97-AF65-F5344CB8AC3E}">
+        <p14:creationId xmlns:p14="http://schemas.microsoft.com/office/powerpoint/2010/main" val="2767573475"/>
+      </p:ext>
+    </p:extLst>
+  </p:cSld>
+  <p:clrMapOvr>
+    <a:masterClrMapping/>
+  </p:clrMapOvr>
+</p:notes>
+</file>
+
+<file path=ppt/notesSlides/notesSlide4.xml><?xml version="1.0" encoding="utf-8"?>
+<p:notes xmlns:a="http://schemas.openxmlformats.org/drawingml/2006/main" xmlns:r="http://schemas.openxmlformats.org/officeDocument/2006/relationships" xmlns:p="http://schemas.openxmlformats.org/presentationml/2006/main">
+  <p:cSld>
+    <p:spTree>
+      <p:nvGrpSpPr>
         <p:cNvPr id="1" name="">
           <a:extLst>
             <a:ext uri="{FF2B5EF4-FFF2-40B4-BE49-F238E27FC236}">
@@ -755,7 +876,7 @@
           <a:p>
             <a:fld id="{97856D82-A927-4CCE-B899-0E7A70652ABD}" type="slidenum">
               <a:rPr lang="en-US" smtClean="0"/>
-              <a:t>3</a:t>
+              <a:t>4</a:t>
             </a:fld>
             <a:endParaRPr lang="en-US"/>
           </a:p>
@@ -765,127 +886,6 @@
     <p:extLst>
       <p:ext uri="{BB962C8B-B14F-4D97-AF65-F5344CB8AC3E}">
         <p14:creationId xmlns:p14="http://schemas.microsoft.com/office/powerpoint/2010/main" val="3179135720"/>
-      </p:ext>
-    </p:extLst>
-  </p:cSld>
-  <p:clrMapOvr>
-    <a:masterClrMapping/>
-  </p:clrMapOvr>
-</p:notes>
-</file>
-
-<file path=ppt/notesSlides/notesSlide4.xml><?xml version="1.0" encoding="utf-8"?>
-<p:notes xmlns:a="http://schemas.openxmlformats.org/drawingml/2006/main" xmlns:r="http://schemas.openxmlformats.org/officeDocument/2006/relationships" xmlns:p="http://schemas.openxmlformats.org/presentationml/2006/main">
-  <p:cSld>
-    <p:spTree>
-      <p:nvGrpSpPr>
-        <p:cNvPr id="1" name=""/>
-        <p:cNvGrpSpPr/>
-        <p:nvPr/>
-      </p:nvGrpSpPr>
-      <p:grpSpPr>
-        <a:xfrm>
-          <a:off x="0" y="0"/>
-          <a:ext cx="0" cy="0"/>
-          <a:chOff x="0" y="0"/>
-          <a:chExt cx="0" cy="0"/>
-        </a:xfrm>
-      </p:grpSpPr>
-      <p:sp>
-        <p:nvSpPr>
-          <p:cNvPr id="2" name="Slide Image Placeholder 1"/>
-          <p:cNvSpPr>
-            <a:spLocks noGrp="1" noRot="1" noChangeAspect="1"/>
-          </p:cNvSpPr>
-          <p:nvPr>
-            <p:ph type="sldImg"/>
-          </p:nvPr>
-        </p:nvSpPr>
-        <p:spPr/>
-      </p:sp>
-      <p:sp>
-        <p:nvSpPr>
-          <p:cNvPr id="3" name="Notes Placeholder 2"/>
-          <p:cNvSpPr>
-            <a:spLocks noGrp="1"/>
-          </p:cNvSpPr>
-          <p:nvPr>
-            <p:ph type="body" idx="1"/>
-          </p:nvPr>
-        </p:nvSpPr>
-        <p:spPr/>
-        <p:txBody>
-          <a:bodyPr/>
-          <a:lstStyle/>
-          <a:p>
-            <a:r>
-              <a:rPr lang="en-US" dirty="0"/>
-              <a:t>From PoEAA:</a:t>
-            </a:r>
-            <a:r>
-              <a:rPr lang="en-US" baseline="0" dirty="0"/>
-              <a:t> </a:t>
-            </a:r>
-            <a:r>
-              <a:rPr lang="en-US" dirty="0"/>
-              <a:t>An object model of the domain that incorporates both behavior and data.</a:t>
-            </a:r>
-          </a:p>
-          <a:p>
-            <a:endParaRPr lang="en-US" dirty="0"/>
-          </a:p>
-          <a:p>
-            <a:r>
-              <a:rPr lang="en-US" dirty="0"/>
-              <a:t>Key – data AND behavior</a:t>
-            </a:r>
-          </a:p>
-          <a:p>
-            <a:endParaRPr lang="en-US" dirty="0"/>
-          </a:p>
-          <a:p>
-            <a:r>
-              <a:rPr lang="en-US" dirty="0"/>
-              <a:t>Beyond nouns</a:t>
-            </a:r>
-            <a:r>
-              <a:rPr lang="en-US" baseline="0" dirty="0"/>
-              <a:t> and verbs</a:t>
-            </a:r>
-            <a:endParaRPr lang="en-US" dirty="0"/>
-          </a:p>
-          <a:p>
-            <a:endParaRPr lang="en-US" dirty="0"/>
-          </a:p>
-        </p:txBody>
-      </p:sp>
-      <p:sp>
-        <p:nvSpPr>
-          <p:cNvPr id="4" name="Slide Number Placeholder 3"/>
-          <p:cNvSpPr>
-            <a:spLocks noGrp="1"/>
-          </p:cNvSpPr>
-          <p:nvPr>
-            <p:ph type="sldNum" sz="quarter" idx="5"/>
-          </p:nvPr>
-        </p:nvSpPr>
-        <p:spPr/>
-        <p:txBody>
-          <a:bodyPr/>
-          <a:lstStyle/>
-          <a:p>
-            <a:fld id="{97856D82-A927-4CCE-B899-0E7A70652ABD}" type="slidenum">
-              <a:rPr lang="en-US" smtClean="0"/>
-              <a:t>13</a:t>
-            </a:fld>
-            <a:endParaRPr lang="en-US"/>
-          </a:p>
-        </p:txBody>
-      </p:sp>
-    </p:spTree>
-    <p:extLst>
-      <p:ext uri="{BB962C8B-B14F-4D97-AF65-F5344CB8AC3E}">
-        <p14:creationId xmlns:p14="http://schemas.microsoft.com/office/powerpoint/2010/main" val="2706214114"/>
       </p:ext>
     </p:extLst>
   </p:cSld>
@@ -960,7 +960,7 @@
           <a:p>
             <a:fld id="{97856D82-A927-4CCE-B899-0E7A70652ABD}" type="slidenum">
               <a:rPr lang="en-US" smtClean="0"/>
-              <a:t>14</a:t>
+              <a:t>13</a:t>
             </a:fld>
             <a:endParaRPr lang="en-US"/>
           </a:p>
@@ -969,7 +969,7 @@
     </p:spTree>
     <p:extLst>
       <p:ext uri="{BB962C8B-B14F-4D97-AF65-F5344CB8AC3E}">
-        <p14:creationId xmlns:p14="http://schemas.microsoft.com/office/powerpoint/2010/main" val="3709484498"/>
+        <p14:creationId xmlns:p14="http://schemas.microsoft.com/office/powerpoint/2010/main" val="3237506573"/>
       </p:ext>
     </p:extLst>
   </p:cSld>
@@ -1044,7 +1044,7 @@
           <a:p>
             <a:fld id="{97856D82-A927-4CCE-B899-0E7A70652ABD}" type="slidenum">
               <a:rPr lang="en-US" smtClean="0"/>
-              <a:t>17</a:t>
+              <a:t>14</a:t>
             </a:fld>
             <a:endParaRPr lang="en-US"/>
           </a:p>
@@ -1053,7 +1053,7 @@
     </p:spTree>
     <p:extLst>
       <p:ext uri="{BB962C8B-B14F-4D97-AF65-F5344CB8AC3E}">
-        <p14:creationId xmlns:p14="http://schemas.microsoft.com/office/powerpoint/2010/main" val="1403113826"/>
+        <p14:creationId xmlns:p14="http://schemas.microsoft.com/office/powerpoint/2010/main" val="3709484498"/>
       </p:ext>
     </p:extLst>
   </p:cSld>
@@ -1090,6 +1090,90 @@
             <p:ph type="sldImg"/>
           </p:nvPr>
         </p:nvSpPr>
+        <p:spPr/>
+      </p:sp>
+      <p:sp>
+        <p:nvSpPr>
+          <p:cNvPr id="3" name="Notes Placeholder 2"/>
+          <p:cNvSpPr>
+            <a:spLocks noGrp="1"/>
+          </p:cNvSpPr>
+          <p:nvPr>
+            <p:ph type="body" idx="1"/>
+          </p:nvPr>
+        </p:nvSpPr>
+        <p:spPr/>
+        <p:txBody>
+          <a:bodyPr/>
+          <a:lstStyle/>
+          <a:p>
+            <a:endParaRPr lang="en-US" dirty="0"/>
+          </a:p>
+        </p:txBody>
+      </p:sp>
+      <p:sp>
+        <p:nvSpPr>
+          <p:cNvPr id="4" name="Slide Number Placeholder 3"/>
+          <p:cNvSpPr>
+            <a:spLocks noGrp="1"/>
+          </p:cNvSpPr>
+          <p:nvPr>
+            <p:ph type="sldNum" sz="quarter" idx="5"/>
+          </p:nvPr>
+        </p:nvSpPr>
+        <p:spPr/>
+        <p:txBody>
+          <a:bodyPr/>
+          <a:lstStyle/>
+          <a:p>
+            <a:fld id="{97856D82-A927-4CCE-B899-0E7A70652ABD}" type="slidenum">
+              <a:rPr lang="en-US" smtClean="0"/>
+              <a:t>17</a:t>
+            </a:fld>
+            <a:endParaRPr lang="en-US"/>
+          </a:p>
+        </p:txBody>
+      </p:sp>
+    </p:spTree>
+    <p:extLst>
+      <p:ext uri="{BB962C8B-B14F-4D97-AF65-F5344CB8AC3E}">
+        <p14:creationId xmlns:p14="http://schemas.microsoft.com/office/powerpoint/2010/main" val="1403113826"/>
+      </p:ext>
+    </p:extLst>
+  </p:cSld>
+  <p:clrMapOvr>
+    <a:masterClrMapping/>
+  </p:clrMapOvr>
+</p:notes>
+</file>
+
+<file path=ppt/notesSlides/notesSlide8.xml><?xml version="1.0" encoding="utf-8"?>
+<p:notes xmlns:a="http://schemas.openxmlformats.org/drawingml/2006/main" xmlns:r="http://schemas.openxmlformats.org/officeDocument/2006/relationships" xmlns:p="http://schemas.openxmlformats.org/presentationml/2006/main">
+  <p:cSld>
+    <p:spTree>
+      <p:nvGrpSpPr>
+        <p:cNvPr id="1" name=""/>
+        <p:cNvGrpSpPr/>
+        <p:nvPr/>
+      </p:nvGrpSpPr>
+      <p:grpSpPr>
+        <a:xfrm>
+          <a:off x="0" y="0"/>
+          <a:ext cx="0" cy="0"/>
+          <a:chOff x="0" y="0"/>
+          <a:chExt cx="0" cy="0"/>
+        </a:xfrm>
+      </p:grpSpPr>
+      <p:sp>
+        <p:nvSpPr>
+          <p:cNvPr id="2" name="Slide Image Placeholder 1"/>
+          <p:cNvSpPr>
+            <a:spLocks noGrp="1" noRot="1" noChangeAspect="1"/>
+          </p:cNvSpPr>
+          <p:nvPr>
+            <p:ph type="sldImg"/>
+          </p:nvPr>
+        </p:nvSpPr>
         <p:spPr>
           <a:xfrm>
             <a:off x="381000" y="685800"/>
@@ -1152,7 +1236,7 @@
 </p:notes>
 </file>
 
-<file path=ppt/notesSlides/notesSlide8.xml><?xml version="1.0" encoding="utf-8"?>
+<file path=ppt/notesSlides/notesSlide9.xml><?xml version="1.0" encoding="utf-8"?>
 <p:notes xmlns:a="http://schemas.openxmlformats.org/drawingml/2006/main" xmlns:r="http://schemas.openxmlformats.org/officeDocument/2006/relationships" xmlns:p="http://schemas.openxmlformats.org/presentationml/2006/main">
   <p:cSld>
     <p:spTree>
@@ -4374,13 +4458,8 @@
           <a:p>
             <a:r>
               <a:rPr lang="en-US" dirty="0"/>
-              <a:t>Request/Response with </a:t>
-            </a:r>
-            <a:r>
-              <a:rPr lang="en-US" dirty="0" err="1"/>
-              <a:t>MediatR</a:t>
-            </a:r>
-            <a:endParaRPr lang="en-US" dirty="0"/>
+              <a:t>(micro)Services to Handlers</a:t>
+            </a:r>
           </a:p>
         </p:txBody>
       </p:sp>
@@ -4421,8 +4500,8 @@
           <a:p>
             <a:pPr algn="ctr"/>
             <a:r>
-              <a:rPr lang="en-US" sz="2000" dirty="0"/>
-              <a:t>IRequest&lt;T&gt;</a:t>
+              <a:rPr lang="en-US" sz="2400" dirty="0"/>
+              <a:t>Input</a:t>
             </a:r>
           </a:p>
         </p:txBody>
@@ -4464,22 +4543,8 @@
           <a:p>
             <a:pPr algn="ctr"/>
             <a:r>
-              <a:rPr lang="en-US" sz="2000" dirty="0"/>
-              <a:t>IRequest</a:t>
-            </a:r>
-          </a:p>
-          <a:p>
-            <a:pPr algn="ctr"/>
-            <a:r>
-              <a:rPr lang="en-US" sz="2000" dirty="0"/>
-              <a:t>Handler</a:t>
-            </a:r>
-          </a:p>
-          <a:p>
-            <a:pPr algn="ctr"/>
-            <a:r>
-              <a:rPr lang="en-US" sz="2000" dirty="0"/>
-              <a:t>&lt;TRequest, TResponse&gt;</a:t>
+              <a:rPr lang="en-US" sz="2400" dirty="0"/>
+              <a:t>Request Handler</a:t>
             </a:r>
           </a:p>
         </p:txBody>
@@ -4521,8 +4586,8 @@
           <a:p>
             <a:pPr algn="ctr"/>
             <a:r>
-              <a:rPr lang="en-US" sz="2000" dirty="0"/>
-              <a:t>TResponse</a:t>
+              <a:rPr lang="en-US" sz="2400" dirty="0"/>
+              <a:t>Output</a:t>
             </a:r>
           </a:p>
         </p:txBody>
@@ -4634,57 +4699,10 @@
           </a:p>
         </p:txBody>
       </p:sp>
-      <p:sp>
-        <p:nvSpPr>
-          <p:cNvPr id="9" name="TextBox 8">
-            <a:extLst>
-              <a:ext uri="{FF2B5EF4-FFF2-40B4-BE49-F238E27FC236}">
-                <a16:creationId xmlns:a16="http://schemas.microsoft.com/office/drawing/2014/main" id="{ADBD07F5-EDB5-49F6-B67D-035EDB05A396}"/>
-              </a:ext>
-            </a:extLst>
-          </p:cNvPr>
-          <p:cNvSpPr txBox="1"/>
-          <p:nvPr/>
-        </p:nvSpPr>
-        <p:spPr>
-          <a:xfrm>
-            <a:off x="4045974" y="4597515"/>
-            <a:ext cx="4881458" cy="1200329"/>
-          </a:xfrm>
-          <a:prstGeom prst="rect">
-            <a:avLst/>
-          </a:prstGeom>
-          <a:noFill/>
-        </p:spPr>
-        <p:txBody>
-          <a:bodyPr wrap="square" rtlCol="0">
-            <a:spAutoFit/>
-          </a:bodyPr>
-          <a:lstStyle/>
-          <a:p>
-            <a:r>
-              <a:rPr lang="en-US" sz="2400" dirty="0"/>
-              <a:t>Task&lt;TResponse&gt; Handle(</a:t>
-            </a:r>
-          </a:p>
-          <a:p>
-            <a:r>
-              <a:rPr lang="en-US" sz="2400" dirty="0"/>
-              <a:t>   TRequest request) {</a:t>
-            </a:r>
-          </a:p>
-          <a:p>
-            <a:r>
-              <a:rPr lang="en-US" sz="2400" dirty="0"/>
-              <a:t>}</a:t>
-            </a:r>
-          </a:p>
-        </p:txBody>
-      </p:sp>
     </p:spTree>
     <p:extLst>
       <p:ext uri="{BB962C8B-B14F-4D97-AF65-F5344CB8AC3E}">
-        <p14:creationId xmlns:p14="http://schemas.microsoft.com/office/powerpoint/2010/main" val="4227647158"/>
+        <p14:creationId xmlns:p14="http://schemas.microsoft.com/office/powerpoint/2010/main" val="3926028628"/>
       </p:ext>
     </p:extLst>
   </p:cSld>
@@ -4713,7 +4731,7 @@
       </p:grpSpPr>
       <p:sp>
         <p:nvSpPr>
-          <p:cNvPr id="4" name="Title 3"/>
+          <p:cNvPr id="2" name="Title 1"/>
           <p:cNvSpPr>
             <a:spLocks noGrp="1"/>
           </p:cNvSpPr>
@@ -4728,21 +4746,26 @@
           <a:p>
             <a:r>
               <a:rPr lang="en-US" dirty="0"/>
-              <a:t>Architecture in slices</a:t>
-            </a:r>
-          </a:p>
-        </p:txBody>
-      </p:sp>
-      <p:sp>
-        <p:nvSpPr>
-          <p:cNvPr id="5" name="Rectangle 4"/>
+              <a:t>Request/Response with </a:t>
+            </a:r>
+            <a:r>
+              <a:rPr lang="en-US" dirty="0" err="1"/>
+              <a:t>MediatR</a:t>
+            </a:r>
+            <a:endParaRPr lang="en-US" dirty="0"/>
+          </a:p>
+        </p:txBody>
+      </p:sp>
+      <p:sp>
+        <p:nvSpPr>
+          <p:cNvPr id="3" name="Rectangle 2"/>
           <p:cNvSpPr/>
           <p:nvPr/>
         </p:nvSpPr>
         <p:spPr>
           <a:xfrm>
-            <a:off x="838200" y="1796796"/>
-            <a:ext cx="8741664" cy="297180"/>
+            <a:off x="2023673" y="2923082"/>
+            <a:ext cx="2098623" cy="1424065"/>
           </a:xfrm>
           <a:prstGeom prst="rect">
             <a:avLst/>
@@ -4770,21 +4793,327 @@
           <a:p>
             <a:pPr algn="ctr"/>
             <a:r>
-              <a:rPr lang="en-US" dirty="0"/>
-              <a:t>Validation</a:t>
-            </a:r>
-          </a:p>
-        </p:txBody>
-      </p:sp>
-      <p:sp>
-        <p:nvSpPr>
-          <p:cNvPr id="7" name="Rectangle 6"/>
+              <a:rPr lang="en-US" sz="2000" dirty="0"/>
+              <a:t>IRequest&lt;T&gt;</a:t>
+            </a:r>
+          </a:p>
+        </p:txBody>
+      </p:sp>
+      <p:sp>
+        <p:nvSpPr>
+          <p:cNvPr id="4" name="Rectangle 3"/>
           <p:cNvSpPr/>
           <p:nvPr/>
         </p:nvSpPr>
         <p:spPr>
           <a:xfrm>
-            <a:off x="838200" y="2163508"/>
+            <a:off x="5189096" y="2923082"/>
+            <a:ext cx="2098623" cy="1424065"/>
+          </a:xfrm>
+          <a:prstGeom prst="rect">
+            <a:avLst/>
+          </a:prstGeom>
+        </p:spPr>
+        <p:style>
+          <a:lnRef idx="2">
+            <a:schemeClr val="accent2">
+              <a:shade val="50000"/>
+            </a:schemeClr>
+          </a:lnRef>
+          <a:fillRef idx="1">
+            <a:schemeClr val="accent2"/>
+          </a:fillRef>
+          <a:effectRef idx="0">
+            <a:schemeClr val="accent2"/>
+          </a:effectRef>
+          <a:fontRef idx="minor">
+            <a:schemeClr val="lt1"/>
+          </a:fontRef>
+        </p:style>
+        <p:txBody>
+          <a:bodyPr rtlCol="0" anchor="ctr"/>
+          <a:lstStyle/>
+          <a:p>
+            <a:pPr algn="ctr"/>
+            <a:r>
+              <a:rPr lang="en-US" sz="2000" dirty="0"/>
+              <a:t>IRequest</a:t>
+            </a:r>
+          </a:p>
+          <a:p>
+            <a:pPr algn="ctr"/>
+            <a:r>
+              <a:rPr lang="en-US" sz="2000" dirty="0"/>
+              <a:t>Handler</a:t>
+            </a:r>
+          </a:p>
+          <a:p>
+            <a:pPr algn="ctr"/>
+            <a:r>
+              <a:rPr lang="en-US" sz="2000" dirty="0"/>
+              <a:t>&lt;TRequest, TResponse&gt;</a:t>
+            </a:r>
+          </a:p>
+        </p:txBody>
+      </p:sp>
+      <p:sp>
+        <p:nvSpPr>
+          <p:cNvPr id="5" name="Rectangle 4"/>
+          <p:cNvSpPr/>
+          <p:nvPr/>
+        </p:nvSpPr>
+        <p:spPr>
+          <a:xfrm>
+            <a:off x="8354519" y="2923082"/>
+            <a:ext cx="2098623" cy="1424065"/>
+          </a:xfrm>
+          <a:prstGeom prst="rect">
+            <a:avLst/>
+          </a:prstGeom>
+        </p:spPr>
+        <p:style>
+          <a:lnRef idx="2">
+            <a:schemeClr val="accent6">
+              <a:shade val="50000"/>
+            </a:schemeClr>
+          </a:lnRef>
+          <a:fillRef idx="1">
+            <a:schemeClr val="accent6"/>
+          </a:fillRef>
+          <a:effectRef idx="0">
+            <a:schemeClr val="accent6"/>
+          </a:effectRef>
+          <a:fontRef idx="minor">
+            <a:schemeClr val="lt1"/>
+          </a:fontRef>
+        </p:style>
+        <p:txBody>
+          <a:bodyPr rtlCol="0" anchor="ctr"/>
+          <a:lstStyle/>
+          <a:p>
+            <a:pPr algn="ctr"/>
+            <a:r>
+              <a:rPr lang="en-US" sz="2000" dirty="0"/>
+              <a:t>TResponse</a:t>
+            </a:r>
+          </a:p>
+        </p:txBody>
+      </p:sp>
+      <p:cxnSp>
+        <p:nvCxnSpPr>
+          <p:cNvPr id="7" name="Straight Arrow Connector 6"/>
+          <p:cNvCxnSpPr>
+            <a:stCxn id="3" idx="3"/>
+            <a:endCxn id="4" idx="1"/>
+          </p:cNvCxnSpPr>
+          <p:nvPr/>
+        </p:nvCxnSpPr>
+        <p:spPr>
+          <a:xfrm>
+            <a:off x="4122296" y="3635115"/>
+            <a:ext cx="1066800" cy="0"/>
+          </a:xfrm>
+          <a:prstGeom prst="straightConnector1">
+            <a:avLst/>
+          </a:prstGeom>
+          <a:ln w="38100">
+            <a:solidFill>
+              <a:schemeClr val="tx1"/>
+            </a:solidFill>
+            <a:tailEnd type="triangle"/>
+          </a:ln>
+        </p:spPr>
+        <p:style>
+          <a:lnRef idx="1">
+            <a:schemeClr val="accent1"/>
+          </a:lnRef>
+          <a:fillRef idx="0">
+            <a:schemeClr val="accent1"/>
+          </a:fillRef>
+          <a:effectRef idx="0">
+            <a:schemeClr val="accent1"/>
+          </a:effectRef>
+          <a:fontRef idx="minor">
+            <a:schemeClr val="tx1"/>
+          </a:fontRef>
+        </p:style>
+      </p:cxnSp>
+      <p:cxnSp>
+        <p:nvCxnSpPr>
+          <p:cNvPr id="8" name="Straight Arrow Connector 7"/>
+          <p:cNvCxnSpPr>
+            <a:stCxn id="4" idx="3"/>
+            <a:endCxn id="5" idx="1"/>
+          </p:cNvCxnSpPr>
+          <p:nvPr/>
+        </p:nvCxnSpPr>
+        <p:spPr>
+          <a:xfrm>
+            <a:off x="7287719" y="3635115"/>
+            <a:ext cx="1066800" cy="0"/>
+          </a:xfrm>
+          <a:prstGeom prst="straightConnector1">
+            <a:avLst/>
+          </a:prstGeom>
+          <a:ln w="38100">
+            <a:solidFill>
+              <a:schemeClr val="tx1"/>
+            </a:solidFill>
+            <a:tailEnd type="triangle"/>
+          </a:ln>
+        </p:spPr>
+        <p:style>
+          <a:lnRef idx="1">
+            <a:schemeClr val="accent1"/>
+          </a:lnRef>
+          <a:fillRef idx="0">
+            <a:schemeClr val="accent1"/>
+          </a:fillRef>
+          <a:effectRef idx="0">
+            <a:schemeClr val="accent1"/>
+          </a:effectRef>
+          <a:fontRef idx="minor">
+            <a:schemeClr val="tx1"/>
+          </a:fontRef>
+        </p:style>
+      </p:cxnSp>
+      <p:sp>
+        <p:nvSpPr>
+          <p:cNvPr id="6" name="Date Placeholder 5">
+            <a:extLst>
+              <a:ext uri="{FF2B5EF4-FFF2-40B4-BE49-F238E27FC236}">
+                <a16:creationId xmlns:a16="http://schemas.microsoft.com/office/drawing/2014/main" id="{D1874567-D190-4550-85AB-C171BDD8C3E1}"/>
+              </a:ext>
+            </a:extLst>
+          </p:cNvPr>
+          <p:cNvSpPr>
+            <a:spLocks noGrp="1"/>
+          </p:cNvSpPr>
+          <p:nvPr>
+            <p:ph type="dt" sz="half" idx="10"/>
+          </p:nvPr>
+        </p:nvSpPr>
+        <p:spPr/>
+        <p:txBody>
+          <a:bodyPr/>
+          <a:lstStyle/>
+          <a:p>
+            <a:r>
+              <a:rPr lang="en-US"/>
+              <a:t>@jbogard</a:t>
+            </a:r>
+            <a:endParaRPr lang="en-US" dirty="0"/>
+          </a:p>
+        </p:txBody>
+      </p:sp>
+      <p:sp>
+        <p:nvSpPr>
+          <p:cNvPr id="9" name="TextBox 8">
+            <a:extLst>
+              <a:ext uri="{FF2B5EF4-FFF2-40B4-BE49-F238E27FC236}">
+                <a16:creationId xmlns:a16="http://schemas.microsoft.com/office/drawing/2014/main" id="{ADBD07F5-EDB5-49F6-B67D-035EDB05A396}"/>
+              </a:ext>
+            </a:extLst>
+          </p:cNvPr>
+          <p:cNvSpPr txBox="1"/>
+          <p:nvPr/>
+        </p:nvSpPr>
+        <p:spPr>
+          <a:xfrm>
+            <a:off x="4045974" y="4597515"/>
+            <a:ext cx="4881458" cy="1200329"/>
+          </a:xfrm>
+          <a:prstGeom prst="rect">
+            <a:avLst/>
+          </a:prstGeom>
+          <a:noFill/>
+        </p:spPr>
+        <p:txBody>
+          <a:bodyPr wrap="square" rtlCol="0">
+            <a:spAutoFit/>
+          </a:bodyPr>
+          <a:lstStyle/>
+          <a:p>
+            <a:r>
+              <a:rPr lang="en-US" sz="2400" dirty="0"/>
+              <a:t>Task&lt;TResponse&gt; Handle(</a:t>
+            </a:r>
+          </a:p>
+          <a:p>
+            <a:r>
+              <a:rPr lang="en-US" sz="2400" dirty="0"/>
+              <a:t>   TRequest request) {</a:t>
+            </a:r>
+          </a:p>
+          <a:p>
+            <a:r>
+              <a:rPr lang="en-US" sz="2400" dirty="0"/>
+              <a:t>}</a:t>
+            </a:r>
+          </a:p>
+        </p:txBody>
+      </p:sp>
+    </p:spTree>
+    <p:extLst>
+      <p:ext uri="{BB962C8B-B14F-4D97-AF65-F5344CB8AC3E}">
+        <p14:creationId xmlns:p14="http://schemas.microsoft.com/office/powerpoint/2010/main" val="4227647158"/>
+      </p:ext>
+    </p:extLst>
+  </p:cSld>
+  <p:clrMapOvr>
+    <a:masterClrMapping/>
+  </p:clrMapOvr>
+</p:sld>
+</file>
+
+<file path=ppt/slides/slide12.xml><?xml version="1.0" encoding="utf-8"?>
+<p:sld xmlns:a="http://schemas.openxmlformats.org/drawingml/2006/main" xmlns:r="http://schemas.openxmlformats.org/officeDocument/2006/relationships" xmlns:p="http://schemas.openxmlformats.org/presentationml/2006/main">
+  <p:cSld>
+    <p:spTree>
+      <p:nvGrpSpPr>
+        <p:cNvPr id="1" name=""/>
+        <p:cNvGrpSpPr/>
+        <p:nvPr/>
+      </p:nvGrpSpPr>
+      <p:grpSpPr>
+        <a:xfrm>
+          <a:off x="0" y="0"/>
+          <a:ext cx="0" cy="0"/>
+          <a:chOff x="0" y="0"/>
+          <a:chExt cx="0" cy="0"/>
+        </a:xfrm>
+      </p:grpSpPr>
+      <p:sp>
+        <p:nvSpPr>
+          <p:cNvPr id="4" name="Title 3"/>
+          <p:cNvSpPr>
+            <a:spLocks noGrp="1"/>
+          </p:cNvSpPr>
+          <p:nvPr>
+            <p:ph type="title"/>
+          </p:nvPr>
+        </p:nvSpPr>
+        <p:spPr/>
+        <p:txBody>
+          <a:bodyPr/>
+          <a:lstStyle/>
+          <a:p>
+            <a:r>
+              <a:rPr lang="en-US" dirty="0"/>
+              <a:t>Architecture in slices</a:t>
+            </a:r>
+          </a:p>
+        </p:txBody>
+      </p:sp>
+      <p:sp>
+        <p:nvSpPr>
+          <p:cNvPr id="5" name="Rectangle 4"/>
+          <p:cNvSpPr/>
+          <p:nvPr/>
+        </p:nvSpPr>
+        <p:spPr>
+          <a:xfrm>
+            <a:off x="838200" y="1796796"/>
             <a:ext cx="8741664" cy="297180"/>
           </a:xfrm>
           <a:prstGeom prst="rect">
@@ -4814,20 +5143,20 @@
             <a:pPr algn="ctr"/>
             <a:r>
               <a:rPr lang="en-US" dirty="0"/>
-              <a:t>Authentication</a:t>
-            </a:r>
-          </a:p>
-        </p:txBody>
-      </p:sp>
-      <p:sp>
-        <p:nvSpPr>
-          <p:cNvPr id="8" name="Rectangle 7"/>
+              <a:t>Validation</a:t>
+            </a:r>
+          </a:p>
+        </p:txBody>
+      </p:sp>
+      <p:sp>
+        <p:nvSpPr>
+          <p:cNvPr id="7" name="Rectangle 6"/>
           <p:cNvSpPr/>
           <p:nvPr/>
         </p:nvSpPr>
         <p:spPr>
           <a:xfrm>
-            <a:off x="838200" y="2548508"/>
+            <a:off x="838200" y="2163508"/>
             <a:ext cx="8741664" cy="297180"/>
           </a:xfrm>
           <a:prstGeom prst="rect">
@@ -4857,6 +5186,49 @@
             <a:pPr algn="ctr"/>
             <a:r>
               <a:rPr lang="en-US" dirty="0"/>
+              <a:t>Authentication</a:t>
+            </a:r>
+          </a:p>
+        </p:txBody>
+      </p:sp>
+      <p:sp>
+        <p:nvSpPr>
+          <p:cNvPr id="8" name="Rectangle 7"/>
+          <p:cNvSpPr/>
+          <p:nvPr/>
+        </p:nvSpPr>
+        <p:spPr>
+          <a:xfrm>
+            <a:off x="838200" y="2548508"/>
+            <a:ext cx="8741664" cy="297180"/>
+          </a:xfrm>
+          <a:prstGeom prst="rect">
+            <a:avLst/>
+          </a:prstGeom>
+        </p:spPr>
+        <p:style>
+          <a:lnRef idx="2">
+            <a:schemeClr val="accent1">
+              <a:shade val="50000"/>
+            </a:schemeClr>
+          </a:lnRef>
+          <a:fillRef idx="1">
+            <a:schemeClr val="accent1"/>
+          </a:fillRef>
+          <a:effectRef idx="0">
+            <a:schemeClr val="accent1"/>
+          </a:effectRef>
+          <a:fontRef idx="minor">
+            <a:schemeClr val="lt1"/>
+          </a:fontRef>
+        </p:style>
+        <p:txBody>
+          <a:bodyPr rtlCol="0" anchor="ctr"/>
+          <a:lstStyle/>
+          <a:p>
+            <a:pPr algn="ctr"/>
+            <a:r>
+              <a:rPr lang="en-US" dirty="0"/>
               <a:t>Authorization</a:t>
             </a:r>
           </a:p>
@@ -5570,7 +5942,7 @@
           <a:p>
             <a:r>
               <a:rPr lang="en-US" dirty="0"/>
-              <a:t>Domain Agnostic</a:t>
+              <a:t>Use Case Agnostic</a:t>
             </a:r>
           </a:p>
         </p:txBody>
@@ -5638,7 +6010,7 @@
           <a:p>
             <a:r>
               <a:rPr lang="en-US" dirty="0"/>
-              <a:t>Domain Specific</a:t>
+              <a:t>Use Case Specific</a:t>
             </a:r>
           </a:p>
         </p:txBody>
@@ -5931,7 +6303,7 @@
 </p:sld>
 </file>
 
-<file path=ppt/slides/slide12.xml><?xml version="1.0" encoding="utf-8"?>
+<file path=ppt/slides/slide13.xml><?xml version="1.0" encoding="utf-8"?>
 <p:sld xmlns:a="http://schemas.openxmlformats.org/drawingml/2006/main" xmlns:r="http://schemas.openxmlformats.org/officeDocument/2006/relationships" xmlns:p="http://schemas.openxmlformats.org/presentationml/2006/main">
   <p:cSld>
     <p:spTree>
@@ -6939,7 +7311,7 @@
           <a:p>
             <a:r>
               <a:rPr lang="en-US" dirty="0"/>
-              <a:t>Domain Agnostic</a:t>
+              <a:t>Use Case Agnostic</a:t>
             </a:r>
           </a:p>
         </p:txBody>
@@ -7019,7 +7391,7 @@
           <a:p>
             <a:r>
               <a:rPr lang="en-US" dirty="0"/>
-              <a:t>Domain Specific</a:t>
+              <a:t>Use Case Specific</a:t>
             </a:r>
           </a:p>
         </p:txBody>
@@ -7126,105 +7498,6 @@
     <p:extLst>
       <p:ext uri="{BB962C8B-B14F-4D97-AF65-F5344CB8AC3E}">
         <p14:creationId xmlns:p14="http://schemas.microsoft.com/office/powerpoint/2010/main" val="3436941660"/>
-      </p:ext>
-    </p:extLst>
-  </p:cSld>
-  <p:clrMapOvr>
-    <a:masterClrMapping/>
-  </p:clrMapOvr>
-</p:sld>
-</file>
-
-<file path=ppt/slides/slide13.xml><?xml version="1.0" encoding="utf-8"?>
-<p:sld xmlns:a="http://schemas.openxmlformats.org/drawingml/2006/main" xmlns:r="http://schemas.openxmlformats.org/officeDocument/2006/relationships" xmlns:p="http://schemas.openxmlformats.org/presentationml/2006/main">
-  <p:cSld>
-    <p:spTree>
-      <p:nvGrpSpPr>
-        <p:cNvPr id="1" name=""/>
-        <p:cNvGrpSpPr/>
-        <p:nvPr/>
-      </p:nvGrpSpPr>
-      <p:grpSpPr>
-        <a:xfrm>
-          <a:off x="0" y="0"/>
-          <a:ext cx="0" cy="0"/>
-          <a:chOff x="0" y="0"/>
-          <a:chExt cx="0" cy="0"/>
-        </a:xfrm>
-      </p:grpSpPr>
-      <p:sp>
-        <p:nvSpPr>
-          <p:cNvPr id="12" name="Title 11">
-            <a:extLst>
-              <a:ext uri="{FF2B5EF4-FFF2-40B4-BE49-F238E27FC236}">
-                <a16:creationId xmlns:a16="http://schemas.microsoft.com/office/drawing/2014/main" id="{62486DA5-D343-4747-A4FD-3308D26D4753}"/>
-              </a:ext>
-            </a:extLst>
-          </p:cNvPr>
-          <p:cNvSpPr>
-            <a:spLocks noGrp="1"/>
-          </p:cNvSpPr>
-          <p:nvPr>
-            <p:ph type="ctrTitle"/>
-          </p:nvPr>
-        </p:nvSpPr>
-        <p:spPr>
-          <a:xfrm>
-            <a:off x="1524000" y="2235200"/>
-            <a:ext cx="9144000" cy="2387600"/>
-          </a:xfrm>
-        </p:spPr>
-        <p:txBody>
-          <a:bodyPr anchor="ctr"/>
-          <a:lstStyle/>
-          <a:p>
-            <a:r>
-              <a:rPr lang="en-US" dirty="0"/>
-              <a:t>What is</a:t>
-            </a:r>
-            <a:br>
-              <a:rPr lang="en-US" dirty="0"/>
-            </a:br>
-            <a:r>
-              <a:rPr lang="en-US" dirty="0"/>
-              <a:t>a domain model?</a:t>
-            </a:r>
-          </a:p>
-        </p:txBody>
-      </p:sp>
-      <p:sp>
-        <p:nvSpPr>
-          <p:cNvPr id="11" name="Date Placeholder 10">
-            <a:extLst>
-              <a:ext uri="{FF2B5EF4-FFF2-40B4-BE49-F238E27FC236}">
-                <a16:creationId xmlns:a16="http://schemas.microsoft.com/office/drawing/2014/main" id="{A96DA99A-4157-43C2-98A4-42632CE752A4}"/>
-              </a:ext>
-            </a:extLst>
-          </p:cNvPr>
-          <p:cNvSpPr>
-            <a:spLocks noGrp="1"/>
-          </p:cNvSpPr>
-          <p:nvPr>
-            <p:ph type="dt" sz="half" idx="10"/>
-          </p:nvPr>
-        </p:nvSpPr>
-        <p:spPr/>
-        <p:txBody>
-          <a:bodyPr/>
-          <a:lstStyle/>
-          <a:p>
-            <a:r>
-              <a:rPr lang="en-US"/>
-              <a:t>@jbogard</a:t>
-            </a:r>
-            <a:endParaRPr lang="en-US" dirty="0"/>
-          </a:p>
-        </p:txBody>
-      </p:sp>
-    </p:spTree>
-    <p:extLst>
-      <p:ext uri="{BB962C8B-B14F-4D97-AF65-F5344CB8AC3E}">
-        <p14:creationId xmlns:p14="http://schemas.microsoft.com/office/powerpoint/2010/main" val="2298955357"/>
       </p:ext>
     </p:extLst>
   </p:cSld>
@@ -8512,7 +8785,7 @@
             <a:pPr algn="l"/>
             <a:r>
               <a:rPr lang="en-US" sz="3200" dirty="0"/>
-              <a:t>Dec 10th-12th in Milan</a:t>
+              <a:t>Dec 10th-12th in Milan(o?)</a:t>
             </a:r>
           </a:p>
           <a:p>
@@ -8824,6 +9097,105 @@
   <p:cSld>
     <p:spTree>
       <p:nvGrpSpPr>
+        <p:cNvPr id="1" name=""/>
+        <p:cNvGrpSpPr/>
+        <p:nvPr/>
+      </p:nvGrpSpPr>
+      <p:grpSpPr>
+        <a:xfrm>
+          <a:off x="0" y="0"/>
+          <a:ext cx="0" cy="0"/>
+          <a:chOff x="0" y="0"/>
+          <a:chExt cx="0" cy="0"/>
+        </a:xfrm>
+      </p:grpSpPr>
+      <p:sp>
+        <p:nvSpPr>
+          <p:cNvPr id="12" name="Title 11">
+            <a:extLst>
+              <a:ext uri="{FF2B5EF4-FFF2-40B4-BE49-F238E27FC236}">
+                <a16:creationId xmlns:a16="http://schemas.microsoft.com/office/drawing/2014/main" id="{62486DA5-D343-4747-A4FD-3308D26D4753}"/>
+              </a:ext>
+            </a:extLst>
+          </p:cNvPr>
+          <p:cNvSpPr>
+            <a:spLocks noGrp="1"/>
+          </p:cNvSpPr>
+          <p:nvPr>
+            <p:ph type="ctrTitle"/>
+          </p:nvPr>
+        </p:nvSpPr>
+        <p:spPr>
+          <a:xfrm>
+            <a:off x="1524000" y="2235200"/>
+            <a:ext cx="9144000" cy="2387600"/>
+          </a:xfrm>
+        </p:spPr>
+        <p:txBody>
+          <a:bodyPr anchor="ctr"/>
+          <a:lstStyle/>
+          <a:p>
+            <a:r>
+              <a:rPr lang="en-US" dirty="0"/>
+              <a:t>What is</a:t>
+            </a:r>
+            <a:br>
+              <a:rPr lang="en-US" dirty="0"/>
+            </a:br>
+            <a:r>
+              <a:rPr lang="en-US" dirty="0"/>
+              <a:t>a domain model?</a:t>
+            </a:r>
+          </a:p>
+        </p:txBody>
+      </p:sp>
+      <p:sp>
+        <p:nvSpPr>
+          <p:cNvPr id="11" name="Date Placeholder 10">
+            <a:extLst>
+              <a:ext uri="{FF2B5EF4-FFF2-40B4-BE49-F238E27FC236}">
+                <a16:creationId xmlns:a16="http://schemas.microsoft.com/office/drawing/2014/main" id="{A96DA99A-4157-43C2-98A4-42632CE752A4}"/>
+              </a:ext>
+            </a:extLst>
+          </p:cNvPr>
+          <p:cNvSpPr>
+            <a:spLocks noGrp="1"/>
+          </p:cNvSpPr>
+          <p:nvPr>
+            <p:ph type="dt" sz="half" idx="10"/>
+          </p:nvPr>
+        </p:nvSpPr>
+        <p:spPr/>
+        <p:txBody>
+          <a:bodyPr/>
+          <a:lstStyle/>
+          <a:p>
+            <a:r>
+              <a:rPr lang="en-US"/>
+              <a:t>@jbogard</a:t>
+            </a:r>
+            <a:endParaRPr lang="en-US" dirty="0"/>
+          </a:p>
+        </p:txBody>
+      </p:sp>
+    </p:spTree>
+    <p:extLst>
+      <p:ext uri="{BB962C8B-B14F-4D97-AF65-F5344CB8AC3E}">
+        <p14:creationId xmlns:p14="http://schemas.microsoft.com/office/powerpoint/2010/main" val="3953744579"/>
+      </p:ext>
+    </p:extLst>
+  </p:cSld>
+  <p:clrMapOvr>
+    <a:masterClrMapping/>
+  </p:clrMapOvr>
+</p:sld>
+</file>
+
+<file path=ppt/slides/slide4.xml><?xml version="1.0" encoding="utf-8"?>
+<p:sld xmlns:a="http://schemas.openxmlformats.org/drawingml/2006/main" xmlns:r="http://schemas.openxmlformats.org/officeDocument/2006/relationships" xmlns:p="http://schemas.openxmlformats.org/presentationml/2006/main">
+  <p:cSld>
+    <p:spTree>
+      <p:nvGrpSpPr>
         <p:cNvPr id="1" name="">
           <a:extLst>
             <a:ext uri="{FF2B5EF4-FFF2-40B4-BE49-F238E27FC236}">
@@ -8926,7 +9298,7 @@
 </p:sld>
 </file>
 
-<file path=ppt/slides/slide4.xml><?xml version="1.0" encoding="utf-8"?>
+<file path=ppt/slides/slide5.xml><?xml version="1.0" encoding="utf-8"?>
 <p:sld xmlns:a="http://schemas.openxmlformats.org/drawingml/2006/main" xmlns:r="http://schemas.openxmlformats.org/officeDocument/2006/relationships" xmlns:p="http://schemas.openxmlformats.org/presentationml/2006/main">
   <p:cSld>
     <p:spTree>
@@ -9473,134 +9845,6 @@
 </p:sld>
 </file>
 
-<file path=ppt/slides/slide5.xml><?xml version="1.0" encoding="utf-8"?>
-<p:sld xmlns:a="http://schemas.openxmlformats.org/drawingml/2006/main" xmlns:r="http://schemas.openxmlformats.org/officeDocument/2006/relationships" xmlns:p="http://schemas.openxmlformats.org/presentationml/2006/main">
-  <p:cSld>
-    <p:spTree>
-      <p:nvGrpSpPr>
-        <p:cNvPr id="1" name=""/>
-        <p:cNvGrpSpPr/>
-        <p:nvPr/>
-      </p:nvGrpSpPr>
-      <p:grpSpPr>
-        <a:xfrm>
-          <a:off x="0" y="0"/>
-          <a:ext cx="0" cy="0"/>
-          <a:chOff x="0" y="0"/>
-          <a:chExt cx="0" cy="0"/>
-        </a:xfrm>
-      </p:grpSpPr>
-      <p:sp>
-        <p:nvSpPr>
-          <p:cNvPr id="5" name="Title 4">
-            <a:extLst>
-              <a:ext uri="{FF2B5EF4-FFF2-40B4-BE49-F238E27FC236}">
-                <a16:creationId xmlns:a16="http://schemas.microsoft.com/office/drawing/2014/main" id="{5B33C290-D052-4B7F-9F50-4A9B825F7088}"/>
-              </a:ext>
-            </a:extLst>
-          </p:cNvPr>
-          <p:cNvSpPr>
-            <a:spLocks noGrp="1"/>
-          </p:cNvSpPr>
-          <p:nvPr>
-            <p:ph type="title"/>
-          </p:nvPr>
-        </p:nvSpPr>
-        <p:spPr/>
-        <p:txBody>
-          <a:bodyPr>
-            <a:normAutofit fontScale="90000"/>
-          </a:bodyPr>
-          <a:lstStyle/>
-          <a:p>
-            <a:r>
-              <a:rPr lang="en-US" dirty="0"/>
-              <a:t>Vertical Slice Architecture</a:t>
-            </a:r>
-            <a:br>
-              <a:rPr lang="en-US" sz="4800" dirty="0"/>
-            </a:br>
-            <a:br>
-              <a:rPr lang="en-US" sz="4800" dirty="0"/>
-            </a:br>
-            <a:r>
-              <a:rPr lang="en-US" sz="3600" dirty="0"/>
-              <a:t>Model and organize application architecture around axes of change, vertical slices</a:t>
-            </a:r>
-            <a:endParaRPr lang="en-US" sz="4800" dirty="0"/>
-          </a:p>
-        </p:txBody>
-      </p:sp>
-      <p:sp>
-        <p:nvSpPr>
-          <p:cNvPr id="6" name="Text Placeholder 5">
-            <a:extLst>
-              <a:ext uri="{FF2B5EF4-FFF2-40B4-BE49-F238E27FC236}">
-                <a16:creationId xmlns:a16="http://schemas.microsoft.com/office/drawing/2014/main" id="{A2B9BE4F-A2AD-4262-8944-A6B5B13E4013}"/>
-              </a:ext>
-            </a:extLst>
-          </p:cNvPr>
-          <p:cNvSpPr>
-            <a:spLocks noGrp="1"/>
-          </p:cNvSpPr>
-          <p:nvPr>
-            <p:ph type="body" idx="1"/>
-          </p:nvPr>
-        </p:nvSpPr>
-        <p:spPr/>
-        <p:txBody>
-          <a:bodyPr/>
-          <a:lstStyle/>
-          <a:p>
-            <a:r>
-              <a:rPr lang="en-US" dirty="0"/>
-              <a:t> </a:t>
-            </a:r>
-          </a:p>
-        </p:txBody>
-      </p:sp>
-      <p:sp>
-        <p:nvSpPr>
-          <p:cNvPr id="4" name="Date Placeholder 3">
-            <a:extLst>
-              <a:ext uri="{FF2B5EF4-FFF2-40B4-BE49-F238E27FC236}">
-                <a16:creationId xmlns:a16="http://schemas.microsoft.com/office/drawing/2014/main" id="{F87C8F44-1320-4AF1-B4C5-743EE92FFDC5}"/>
-              </a:ext>
-            </a:extLst>
-          </p:cNvPr>
-          <p:cNvSpPr>
-            <a:spLocks noGrp="1"/>
-          </p:cNvSpPr>
-          <p:nvPr>
-            <p:ph type="dt" sz="half" idx="10"/>
-          </p:nvPr>
-        </p:nvSpPr>
-        <p:spPr/>
-        <p:txBody>
-          <a:bodyPr/>
-          <a:lstStyle/>
-          <a:p>
-            <a:r>
-              <a:rPr lang="en-US"/>
-              <a:t>@jbogard</a:t>
-            </a:r>
-            <a:endParaRPr lang="en-US" dirty="0"/>
-          </a:p>
-        </p:txBody>
-      </p:sp>
-    </p:spTree>
-    <p:extLst>
-      <p:ext uri="{BB962C8B-B14F-4D97-AF65-F5344CB8AC3E}">
-        <p14:creationId xmlns:p14="http://schemas.microsoft.com/office/powerpoint/2010/main" val="2321263388"/>
-      </p:ext>
-    </p:extLst>
-  </p:cSld>
-  <p:clrMapOvr>
-    <a:masterClrMapping/>
-  </p:clrMapOvr>
-</p:sld>
-</file>
-
 <file path=ppt/slides/slide6.xml><?xml version="1.0" encoding="utf-8"?>
 <p:sld xmlns:a="http://schemas.openxmlformats.org/drawingml/2006/main" xmlns:r="http://schemas.openxmlformats.org/officeDocument/2006/relationships" xmlns:p="http://schemas.openxmlformats.org/presentationml/2006/main">
   <p:cSld>
@@ -9623,6 +9867,134 @@
           <p:cNvPr id="5" name="Title 4">
             <a:extLst>
               <a:ext uri="{FF2B5EF4-FFF2-40B4-BE49-F238E27FC236}">
+                <a16:creationId xmlns:a16="http://schemas.microsoft.com/office/drawing/2014/main" id="{5B33C290-D052-4B7F-9F50-4A9B825F7088}"/>
+              </a:ext>
+            </a:extLst>
+          </p:cNvPr>
+          <p:cNvSpPr>
+            <a:spLocks noGrp="1"/>
+          </p:cNvSpPr>
+          <p:nvPr>
+            <p:ph type="title"/>
+          </p:nvPr>
+        </p:nvSpPr>
+        <p:spPr/>
+        <p:txBody>
+          <a:bodyPr>
+            <a:normAutofit fontScale="90000"/>
+          </a:bodyPr>
+          <a:lstStyle/>
+          <a:p>
+            <a:r>
+              <a:rPr lang="en-US" dirty="0"/>
+              <a:t>Vertical Slice Architecture</a:t>
+            </a:r>
+            <a:br>
+              <a:rPr lang="en-US" sz="4800" dirty="0"/>
+            </a:br>
+            <a:br>
+              <a:rPr lang="en-US" sz="4800" dirty="0"/>
+            </a:br>
+            <a:r>
+              <a:rPr lang="en-US" sz="3600" dirty="0"/>
+              <a:t>Model and organize application architecture around axes of change, vertical slices</a:t>
+            </a:r>
+            <a:endParaRPr lang="en-US" sz="4800" dirty="0"/>
+          </a:p>
+        </p:txBody>
+      </p:sp>
+      <p:sp>
+        <p:nvSpPr>
+          <p:cNvPr id="6" name="Text Placeholder 5">
+            <a:extLst>
+              <a:ext uri="{FF2B5EF4-FFF2-40B4-BE49-F238E27FC236}">
+                <a16:creationId xmlns:a16="http://schemas.microsoft.com/office/drawing/2014/main" id="{A2B9BE4F-A2AD-4262-8944-A6B5B13E4013}"/>
+              </a:ext>
+            </a:extLst>
+          </p:cNvPr>
+          <p:cNvSpPr>
+            <a:spLocks noGrp="1"/>
+          </p:cNvSpPr>
+          <p:nvPr>
+            <p:ph type="body" idx="1"/>
+          </p:nvPr>
+        </p:nvSpPr>
+        <p:spPr/>
+        <p:txBody>
+          <a:bodyPr/>
+          <a:lstStyle/>
+          <a:p>
+            <a:r>
+              <a:rPr lang="en-US" dirty="0"/>
+              <a:t> </a:t>
+            </a:r>
+          </a:p>
+        </p:txBody>
+      </p:sp>
+      <p:sp>
+        <p:nvSpPr>
+          <p:cNvPr id="4" name="Date Placeholder 3">
+            <a:extLst>
+              <a:ext uri="{FF2B5EF4-FFF2-40B4-BE49-F238E27FC236}">
+                <a16:creationId xmlns:a16="http://schemas.microsoft.com/office/drawing/2014/main" id="{F87C8F44-1320-4AF1-B4C5-743EE92FFDC5}"/>
+              </a:ext>
+            </a:extLst>
+          </p:cNvPr>
+          <p:cNvSpPr>
+            <a:spLocks noGrp="1"/>
+          </p:cNvSpPr>
+          <p:nvPr>
+            <p:ph type="dt" sz="half" idx="10"/>
+          </p:nvPr>
+        </p:nvSpPr>
+        <p:spPr/>
+        <p:txBody>
+          <a:bodyPr/>
+          <a:lstStyle/>
+          <a:p>
+            <a:r>
+              <a:rPr lang="en-US"/>
+              <a:t>@jbogard</a:t>
+            </a:r>
+            <a:endParaRPr lang="en-US" dirty="0"/>
+          </a:p>
+        </p:txBody>
+      </p:sp>
+    </p:spTree>
+    <p:extLst>
+      <p:ext uri="{BB962C8B-B14F-4D97-AF65-F5344CB8AC3E}">
+        <p14:creationId xmlns:p14="http://schemas.microsoft.com/office/powerpoint/2010/main" val="2321263388"/>
+      </p:ext>
+    </p:extLst>
+  </p:cSld>
+  <p:clrMapOvr>
+    <a:masterClrMapping/>
+  </p:clrMapOvr>
+</p:sld>
+</file>
+
+<file path=ppt/slides/slide7.xml><?xml version="1.0" encoding="utf-8"?>
+<p:sld xmlns:a="http://schemas.openxmlformats.org/drawingml/2006/main" xmlns:r="http://schemas.openxmlformats.org/officeDocument/2006/relationships" xmlns:p="http://schemas.openxmlformats.org/presentationml/2006/main">
+  <p:cSld>
+    <p:spTree>
+      <p:nvGrpSpPr>
+        <p:cNvPr id="1" name=""/>
+        <p:cNvGrpSpPr/>
+        <p:nvPr/>
+      </p:nvGrpSpPr>
+      <p:grpSpPr>
+        <a:xfrm>
+          <a:off x="0" y="0"/>
+          <a:ext cx="0" cy="0"/>
+          <a:chOff x="0" y="0"/>
+          <a:chExt cx="0" cy="0"/>
+        </a:xfrm>
+      </p:grpSpPr>
+      <p:sp>
+        <p:nvSpPr>
+          <p:cNvPr id="5" name="Title 4">
+            <a:extLst>
+              <a:ext uri="{FF2B5EF4-FFF2-40B4-BE49-F238E27FC236}">
                 <a16:creationId xmlns:a16="http://schemas.microsoft.com/office/drawing/2014/main" id="{F3C6CA06-C34D-4416-8651-C4973EE52454}"/>
               </a:ext>
             </a:extLst>
@@ -9713,7 +10085,7 @@
 </p:sld>
 </file>
 
-<file path=ppt/slides/slide7.xml><?xml version="1.0" encoding="utf-8"?>
+<file path=ppt/slides/slide8.xml><?xml version="1.0" encoding="utf-8"?>
 <p:sld xmlns:a="http://schemas.openxmlformats.org/drawingml/2006/main" xmlns:r="http://schemas.openxmlformats.org/officeDocument/2006/relationships" xmlns:p="http://schemas.openxmlformats.org/presentationml/2006/main">
   <p:cSld>
     <p:spTree>
@@ -10404,7 +10776,7 @@
 </p:sld>
 </file>
 
-<file path=ppt/slides/slide8.xml><?xml version="1.0" encoding="utf-8"?>
+<file path=ppt/slides/slide9.xml><?xml version="1.0" encoding="utf-8"?>
 <p:sld xmlns:a="http://schemas.openxmlformats.org/drawingml/2006/main" xmlns:r="http://schemas.openxmlformats.org/officeDocument/2006/relationships" xmlns:p="http://schemas.openxmlformats.org/presentationml/2006/main">
   <p:cSld>
     <p:spTree>
@@ -11221,294 +11593,6 @@
       <p:bldP spid="11" grpId="0" animBg="1"/>
     </p:bldLst>
   </p:timing>
-</p:sld>
-</file>
-
-<file path=ppt/slides/slide9.xml><?xml version="1.0" encoding="utf-8"?>
-<p:sld xmlns:a="http://schemas.openxmlformats.org/drawingml/2006/main" xmlns:r="http://schemas.openxmlformats.org/officeDocument/2006/relationships" xmlns:p="http://schemas.openxmlformats.org/presentationml/2006/main">
-  <p:cSld>
-    <p:spTree>
-      <p:nvGrpSpPr>
-        <p:cNvPr id="1" name=""/>
-        <p:cNvGrpSpPr/>
-        <p:nvPr/>
-      </p:nvGrpSpPr>
-      <p:grpSpPr>
-        <a:xfrm>
-          <a:off x="0" y="0"/>
-          <a:ext cx="0" cy="0"/>
-          <a:chOff x="0" y="0"/>
-          <a:chExt cx="0" cy="0"/>
-        </a:xfrm>
-      </p:grpSpPr>
-      <p:sp>
-        <p:nvSpPr>
-          <p:cNvPr id="2" name="Title 1"/>
-          <p:cNvSpPr>
-            <a:spLocks noGrp="1"/>
-          </p:cNvSpPr>
-          <p:nvPr>
-            <p:ph type="title"/>
-          </p:nvPr>
-        </p:nvSpPr>
-        <p:spPr/>
-        <p:txBody>
-          <a:bodyPr/>
-          <a:lstStyle/>
-          <a:p>
-            <a:r>
-              <a:rPr lang="en-US" dirty="0"/>
-              <a:t>Modeling requests</a:t>
-            </a:r>
-          </a:p>
-        </p:txBody>
-      </p:sp>
-      <p:sp>
-        <p:nvSpPr>
-          <p:cNvPr id="3" name="Rectangle 2"/>
-          <p:cNvSpPr/>
-          <p:nvPr/>
-        </p:nvSpPr>
-        <p:spPr>
-          <a:xfrm>
-            <a:off x="2023673" y="2923082"/>
-            <a:ext cx="2098623" cy="1424065"/>
-          </a:xfrm>
-          <a:prstGeom prst="rect">
-            <a:avLst/>
-          </a:prstGeom>
-        </p:spPr>
-        <p:style>
-          <a:lnRef idx="2">
-            <a:schemeClr val="accent1">
-              <a:shade val="50000"/>
-            </a:schemeClr>
-          </a:lnRef>
-          <a:fillRef idx="1">
-            <a:schemeClr val="accent1"/>
-          </a:fillRef>
-          <a:effectRef idx="0">
-            <a:schemeClr val="accent1"/>
-          </a:effectRef>
-          <a:fontRef idx="minor">
-            <a:schemeClr val="lt1"/>
-          </a:fontRef>
-        </p:style>
-        <p:txBody>
-          <a:bodyPr rtlCol="0" anchor="ctr"/>
-          <a:lstStyle/>
-          <a:p>
-            <a:pPr algn="ctr"/>
-            <a:r>
-              <a:rPr lang="en-US" sz="2400" dirty="0"/>
-              <a:t>Input</a:t>
-            </a:r>
-          </a:p>
-        </p:txBody>
-      </p:sp>
-      <p:sp>
-        <p:nvSpPr>
-          <p:cNvPr id="4" name="Rectangle 3"/>
-          <p:cNvSpPr/>
-          <p:nvPr/>
-        </p:nvSpPr>
-        <p:spPr>
-          <a:xfrm>
-            <a:off x="5189096" y="2923082"/>
-            <a:ext cx="2098623" cy="1424065"/>
-          </a:xfrm>
-          <a:prstGeom prst="rect">
-            <a:avLst/>
-          </a:prstGeom>
-        </p:spPr>
-        <p:style>
-          <a:lnRef idx="2">
-            <a:schemeClr val="accent2">
-              <a:shade val="50000"/>
-            </a:schemeClr>
-          </a:lnRef>
-          <a:fillRef idx="1">
-            <a:schemeClr val="accent2"/>
-          </a:fillRef>
-          <a:effectRef idx="0">
-            <a:schemeClr val="accent2"/>
-          </a:effectRef>
-          <a:fontRef idx="minor">
-            <a:schemeClr val="lt1"/>
-          </a:fontRef>
-        </p:style>
-        <p:txBody>
-          <a:bodyPr rtlCol="0" anchor="ctr"/>
-          <a:lstStyle/>
-          <a:p>
-            <a:pPr algn="ctr"/>
-            <a:r>
-              <a:rPr lang="en-US" sz="2400" dirty="0"/>
-              <a:t>Request Handler</a:t>
-            </a:r>
-          </a:p>
-        </p:txBody>
-      </p:sp>
-      <p:sp>
-        <p:nvSpPr>
-          <p:cNvPr id="5" name="Rectangle 4"/>
-          <p:cNvSpPr/>
-          <p:nvPr/>
-        </p:nvSpPr>
-        <p:spPr>
-          <a:xfrm>
-            <a:off x="8354519" y="2923082"/>
-            <a:ext cx="2098623" cy="1424065"/>
-          </a:xfrm>
-          <a:prstGeom prst="rect">
-            <a:avLst/>
-          </a:prstGeom>
-        </p:spPr>
-        <p:style>
-          <a:lnRef idx="2">
-            <a:schemeClr val="accent6">
-              <a:shade val="50000"/>
-            </a:schemeClr>
-          </a:lnRef>
-          <a:fillRef idx="1">
-            <a:schemeClr val="accent6"/>
-          </a:fillRef>
-          <a:effectRef idx="0">
-            <a:schemeClr val="accent6"/>
-          </a:effectRef>
-          <a:fontRef idx="minor">
-            <a:schemeClr val="lt1"/>
-          </a:fontRef>
-        </p:style>
-        <p:txBody>
-          <a:bodyPr rtlCol="0" anchor="ctr"/>
-          <a:lstStyle/>
-          <a:p>
-            <a:pPr algn="ctr"/>
-            <a:r>
-              <a:rPr lang="en-US" sz="2400" dirty="0"/>
-              <a:t>Output</a:t>
-            </a:r>
-          </a:p>
-        </p:txBody>
-      </p:sp>
-      <p:cxnSp>
-        <p:nvCxnSpPr>
-          <p:cNvPr id="7" name="Straight Arrow Connector 6"/>
-          <p:cNvCxnSpPr>
-            <a:stCxn id="3" idx="3"/>
-            <a:endCxn id="4" idx="1"/>
-          </p:cNvCxnSpPr>
-          <p:nvPr/>
-        </p:nvCxnSpPr>
-        <p:spPr>
-          <a:xfrm>
-            <a:off x="4122296" y="3635115"/>
-            <a:ext cx="1066800" cy="0"/>
-          </a:xfrm>
-          <a:prstGeom prst="straightConnector1">
-            <a:avLst/>
-          </a:prstGeom>
-          <a:ln w="38100">
-            <a:solidFill>
-              <a:schemeClr val="tx1"/>
-            </a:solidFill>
-            <a:tailEnd type="triangle"/>
-          </a:ln>
-        </p:spPr>
-        <p:style>
-          <a:lnRef idx="1">
-            <a:schemeClr val="accent1"/>
-          </a:lnRef>
-          <a:fillRef idx="0">
-            <a:schemeClr val="accent1"/>
-          </a:fillRef>
-          <a:effectRef idx="0">
-            <a:schemeClr val="accent1"/>
-          </a:effectRef>
-          <a:fontRef idx="minor">
-            <a:schemeClr val="tx1"/>
-          </a:fontRef>
-        </p:style>
-      </p:cxnSp>
-      <p:cxnSp>
-        <p:nvCxnSpPr>
-          <p:cNvPr id="8" name="Straight Arrow Connector 7"/>
-          <p:cNvCxnSpPr>
-            <a:stCxn id="4" idx="3"/>
-            <a:endCxn id="5" idx="1"/>
-          </p:cNvCxnSpPr>
-          <p:nvPr/>
-        </p:nvCxnSpPr>
-        <p:spPr>
-          <a:xfrm>
-            <a:off x="7287719" y="3635115"/>
-            <a:ext cx="1066800" cy="0"/>
-          </a:xfrm>
-          <a:prstGeom prst="straightConnector1">
-            <a:avLst/>
-          </a:prstGeom>
-          <a:ln w="38100">
-            <a:solidFill>
-              <a:schemeClr val="tx1"/>
-            </a:solidFill>
-            <a:tailEnd type="triangle"/>
-          </a:ln>
-        </p:spPr>
-        <p:style>
-          <a:lnRef idx="1">
-            <a:schemeClr val="accent1"/>
-          </a:lnRef>
-          <a:fillRef idx="0">
-            <a:schemeClr val="accent1"/>
-          </a:fillRef>
-          <a:effectRef idx="0">
-            <a:schemeClr val="accent1"/>
-          </a:effectRef>
-          <a:fontRef idx="minor">
-            <a:schemeClr val="tx1"/>
-          </a:fontRef>
-        </p:style>
-      </p:cxnSp>
-      <p:sp>
-        <p:nvSpPr>
-          <p:cNvPr id="6" name="Date Placeholder 5">
-            <a:extLst>
-              <a:ext uri="{FF2B5EF4-FFF2-40B4-BE49-F238E27FC236}">
-                <a16:creationId xmlns:a16="http://schemas.microsoft.com/office/drawing/2014/main" id="{D1874567-D190-4550-85AB-C171BDD8C3E1}"/>
-              </a:ext>
-            </a:extLst>
-          </p:cNvPr>
-          <p:cNvSpPr>
-            <a:spLocks noGrp="1"/>
-          </p:cNvSpPr>
-          <p:nvPr>
-            <p:ph type="dt" sz="half" idx="10"/>
-          </p:nvPr>
-        </p:nvSpPr>
-        <p:spPr/>
-        <p:txBody>
-          <a:bodyPr/>
-          <a:lstStyle/>
-          <a:p>
-            <a:r>
-              <a:rPr lang="en-US"/>
-              <a:t>@jbogard</a:t>
-            </a:r>
-            <a:endParaRPr lang="en-US" dirty="0"/>
-          </a:p>
-        </p:txBody>
-      </p:sp>
-    </p:spTree>
-    <p:extLst>
-      <p:ext uri="{BB962C8B-B14F-4D97-AF65-F5344CB8AC3E}">
-        <p14:creationId xmlns:p14="http://schemas.microsoft.com/office/powerpoint/2010/main" val="3926028628"/>
-      </p:ext>
-    </p:extLst>
-  </p:cSld>
-  <p:clrMapOvr>
-    <a:masterClrMapping/>
-  </p:clrMapOvr>
 </p:sld>
 </file>
 
